--- a/tutorial/img/Tutorial_Slides.pptx
+++ b/tutorial/img/Tutorial_Slides.pptx
@@ -111,6 +111,11 @@
       </a:defRPr>
     </a:lvl9pPr>
   </p:defaultTextStyle>
+  <p:extLst>
+    <p:ext uri="{EFAFB233-063F-42B5-8137-9DF3F51BA10A}">
+      <p15:sldGuideLst xmlns:p15="http://schemas.microsoft.com/office/powerpoint/2012/main"/>
+    </p:ext>
+  </p:extLst>
 </p:presentation>
 </file>
 
@@ -3505,96 +3510,111 @@
           <a:chExt cx="0" cy="0"/>
         </a:xfrm>
       </p:grpSpPr>
-      <p:pic>
-        <p:nvPicPr>
-          <p:cNvPr id="4" name="Picture 3"/>
-          <p:cNvPicPr>
-            <a:picLocks noChangeAspect="1"/>
-          </p:cNvPicPr>
+      <p:grpSp>
+        <p:nvGrpSpPr>
+          <p:cNvPr id="2" name="Group 1"/>
+          <p:cNvGrpSpPr/>
           <p:nvPr/>
-        </p:nvPicPr>
-        <p:blipFill>
-          <a:blip r:embed="rId3">
-            <a:extLst>
-              <a:ext uri="{28A0092B-C50C-407E-A947-70E740481C1C}">
-                <a14:useLocalDpi xmlns:a14="http://schemas.microsoft.com/office/drawing/2010/main" val="0"/>
-              </a:ext>
-            </a:extLst>
-          </a:blip>
-          <a:stretch>
-            <a:fillRect/>
-          </a:stretch>
-        </p:blipFill>
-        <p:spPr>
+        </p:nvGrpSpPr>
+        <p:grpSpPr>
           <a:xfrm>
             <a:off x="0" y="834274"/>
             <a:ext cx="12192000" cy="5189452"/>
+            <a:chOff x="0" y="834274"/>
+            <a:chExt cx="12192000" cy="5189452"/>
           </a:xfrm>
-          <a:prstGeom prst="rect">
-            <a:avLst/>
-          </a:prstGeom>
-        </p:spPr>
-      </p:pic>
-      <p:pic>
-        <p:nvPicPr>
-          <p:cNvPr id="5" name="Picture 4"/>
-          <p:cNvPicPr>
-            <a:picLocks noChangeAspect="1"/>
-          </p:cNvPicPr>
-          <p:nvPr/>
-        </p:nvPicPr>
-        <p:blipFill>
-          <a:blip r:embed="rId4">
-            <a:extLst>
-              <a:ext uri="{28A0092B-C50C-407E-A947-70E740481C1C}">
-                <a14:useLocalDpi xmlns:a14="http://schemas.microsoft.com/office/drawing/2010/main" val="0"/>
-              </a:ext>
-            </a:extLst>
-          </a:blip>
-          <a:stretch>
-            <a:fillRect/>
-          </a:stretch>
-        </p:blipFill>
-        <p:spPr>
-          <a:xfrm>
-            <a:off x="5348901" y="2210242"/>
-            <a:ext cx="4736161" cy="3631919"/>
-          </a:xfrm>
-          <a:prstGeom prst="rect">
-            <a:avLst/>
-          </a:prstGeom>
-        </p:spPr>
-      </p:pic>
-      <p:pic>
-        <p:nvPicPr>
-          <p:cNvPr id="6" name="Picture 5"/>
-          <p:cNvPicPr>
-            <a:picLocks noChangeAspect="1"/>
-          </p:cNvPicPr>
-          <p:nvPr/>
-        </p:nvPicPr>
-        <p:blipFill>
-          <a:blip r:embed="rId5">
-            <a:extLst>
-              <a:ext uri="{28A0092B-C50C-407E-A947-70E740481C1C}">
-                <a14:useLocalDpi xmlns:a14="http://schemas.microsoft.com/office/drawing/2010/main" val="0"/>
-              </a:ext>
-            </a:extLst>
-          </a:blip>
-          <a:stretch>
-            <a:fillRect/>
-          </a:stretch>
-        </p:blipFill>
-        <p:spPr>
-          <a:xfrm>
-            <a:off x="7298840" y="3297229"/>
-            <a:ext cx="4710280" cy="2544932"/>
-          </a:xfrm>
-          <a:prstGeom prst="rect">
-            <a:avLst/>
-          </a:prstGeom>
-        </p:spPr>
-      </p:pic>
+        </p:grpSpPr>
+        <p:pic>
+          <p:nvPicPr>
+            <p:cNvPr id="4" name="Picture 3"/>
+            <p:cNvPicPr>
+              <a:picLocks noChangeAspect="1"/>
+            </p:cNvPicPr>
+            <p:nvPr/>
+          </p:nvPicPr>
+          <p:blipFill>
+            <a:blip r:embed="rId3">
+              <a:extLst>
+                <a:ext uri="{28A0092B-C50C-407E-A947-70E740481C1C}">
+                  <a14:useLocalDpi xmlns:a14="http://schemas.microsoft.com/office/drawing/2010/main" val="0"/>
+                </a:ext>
+              </a:extLst>
+            </a:blip>
+            <a:stretch>
+              <a:fillRect/>
+            </a:stretch>
+          </p:blipFill>
+          <p:spPr>
+            <a:xfrm>
+              <a:off x="0" y="834274"/>
+              <a:ext cx="12192000" cy="5189452"/>
+            </a:xfrm>
+            <a:prstGeom prst="rect">
+              <a:avLst/>
+            </a:prstGeom>
+          </p:spPr>
+        </p:pic>
+        <p:pic>
+          <p:nvPicPr>
+            <p:cNvPr id="5" name="Picture 4"/>
+            <p:cNvPicPr>
+              <a:picLocks noChangeAspect="1"/>
+            </p:cNvPicPr>
+            <p:nvPr/>
+          </p:nvPicPr>
+          <p:blipFill>
+            <a:blip r:embed="rId4">
+              <a:extLst>
+                <a:ext uri="{28A0092B-C50C-407E-A947-70E740481C1C}">
+                  <a14:useLocalDpi xmlns:a14="http://schemas.microsoft.com/office/drawing/2010/main" val="0"/>
+                </a:ext>
+              </a:extLst>
+            </a:blip>
+            <a:stretch>
+              <a:fillRect/>
+            </a:stretch>
+          </p:blipFill>
+          <p:spPr>
+            <a:xfrm>
+              <a:off x="5348901" y="2210242"/>
+              <a:ext cx="4736161" cy="3631919"/>
+            </a:xfrm>
+            <a:prstGeom prst="rect">
+              <a:avLst/>
+            </a:prstGeom>
+          </p:spPr>
+        </p:pic>
+        <p:pic>
+          <p:nvPicPr>
+            <p:cNvPr id="6" name="Picture 5"/>
+            <p:cNvPicPr>
+              <a:picLocks noChangeAspect="1"/>
+            </p:cNvPicPr>
+            <p:nvPr/>
+          </p:nvPicPr>
+          <p:blipFill>
+            <a:blip r:embed="rId5">
+              <a:extLst>
+                <a:ext uri="{28A0092B-C50C-407E-A947-70E740481C1C}">
+                  <a14:useLocalDpi xmlns:a14="http://schemas.microsoft.com/office/drawing/2010/main" val="0"/>
+                </a:ext>
+              </a:extLst>
+            </a:blip>
+            <a:stretch>
+              <a:fillRect/>
+            </a:stretch>
+          </p:blipFill>
+          <p:spPr>
+            <a:xfrm>
+              <a:off x="7298840" y="3297229"/>
+              <a:ext cx="4710280" cy="2544932"/>
+            </a:xfrm>
+            <a:prstGeom prst="rect">
+              <a:avLst/>
+            </a:prstGeom>
+          </p:spPr>
+        </p:pic>
+      </p:grpSp>
     </p:spTree>
     <p:extLst>
       <p:ext uri="{BB962C8B-B14F-4D97-AF65-F5344CB8AC3E}">
@@ -3625,426 +3645,441 @@
           <a:chExt cx="0" cy="0"/>
         </a:xfrm>
       </p:grpSpPr>
-      <p:pic>
-        <p:nvPicPr>
-          <p:cNvPr id="4" name="Picture 3"/>
-          <p:cNvPicPr>
-            <a:picLocks noChangeAspect="1"/>
-          </p:cNvPicPr>
+      <p:grpSp>
+        <p:nvGrpSpPr>
+          <p:cNvPr id="2" name="Group 1"/>
+          <p:cNvGrpSpPr/>
           <p:nvPr/>
-        </p:nvPicPr>
-        <p:blipFill>
-          <a:blip r:embed="rId3">
-            <a:extLst>
-              <a:ext uri="{28A0092B-C50C-407E-A947-70E740481C1C}">
-                <a14:useLocalDpi xmlns:a14="http://schemas.microsoft.com/office/drawing/2010/main" val="0"/>
-              </a:ext>
-            </a:extLst>
-          </a:blip>
-          <a:stretch>
-            <a:fillRect/>
-          </a:stretch>
-        </p:blipFill>
-        <p:spPr>
+        </p:nvGrpSpPr>
+        <p:grpSpPr>
           <a:xfrm>
             <a:off x="0" y="834274"/>
             <a:ext cx="12192000" cy="5189452"/>
+            <a:chOff x="0" y="834274"/>
+            <a:chExt cx="12192000" cy="5189452"/>
           </a:xfrm>
-          <a:prstGeom prst="rect">
-            <a:avLst/>
-          </a:prstGeom>
-        </p:spPr>
-      </p:pic>
-      <p:sp>
-        <p:nvSpPr>
-          <p:cNvPr id="5" name="Rectangle 4"/>
-          <p:cNvSpPr/>
-          <p:nvPr/>
-        </p:nvSpPr>
-        <p:spPr>
-          <a:xfrm>
-            <a:off x="0" y="1003177"/>
-            <a:ext cx="4157221" cy="4545367"/>
-          </a:xfrm>
-          <a:prstGeom prst="rect">
-            <a:avLst/>
-          </a:prstGeom>
-          <a:solidFill>
-            <a:schemeClr val="accent1">
-              <a:alpha val="41000"/>
-            </a:schemeClr>
-          </a:solidFill>
-          <a:ln>
-            <a:noFill/>
-          </a:ln>
-        </p:spPr>
-        <p:style>
-          <a:lnRef idx="2">
-            <a:schemeClr val="accent1">
-              <a:shade val="50000"/>
-            </a:schemeClr>
-          </a:lnRef>
-          <a:fillRef idx="1">
-            <a:schemeClr val="accent1"/>
-          </a:fillRef>
-          <a:effectRef idx="0">
-            <a:schemeClr val="accent1"/>
-          </a:effectRef>
-          <a:fontRef idx="minor">
-            <a:schemeClr val="lt1"/>
-          </a:fontRef>
-        </p:style>
-        <p:txBody>
-          <a:bodyPr rtlCol="0" anchor="ctr"/>
-          <a:lstStyle/>
-          <a:p>
-            <a:pPr algn="ctr"/>
-            <a:endParaRPr lang="en-US"/>
-          </a:p>
-        </p:txBody>
-      </p:sp>
-      <p:sp>
-        <p:nvSpPr>
-          <p:cNvPr id="6" name="Rectangle 5"/>
-          <p:cNvSpPr/>
-          <p:nvPr/>
-        </p:nvSpPr>
-        <p:spPr>
-          <a:xfrm>
-            <a:off x="4157221" y="1003176"/>
-            <a:ext cx="3205113" cy="2315059"/>
-          </a:xfrm>
-          <a:prstGeom prst="rect">
-            <a:avLst/>
-          </a:prstGeom>
-          <a:solidFill>
-            <a:schemeClr val="accent1">
-              <a:alpha val="41000"/>
-            </a:schemeClr>
-          </a:solidFill>
-          <a:ln>
-            <a:noFill/>
-          </a:ln>
-        </p:spPr>
-        <p:style>
-          <a:lnRef idx="2">
-            <a:schemeClr val="accent1">
-              <a:shade val="50000"/>
-            </a:schemeClr>
-          </a:lnRef>
-          <a:fillRef idx="1">
-            <a:schemeClr val="accent1"/>
-          </a:fillRef>
-          <a:effectRef idx="0">
-            <a:schemeClr val="accent1"/>
-          </a:effectRef>
-          <a:fontRef idx="minor">
-            <a:schemeClr val="lt1"/>
-          </a:fontRef>
-        </p:style>
-        <p:txBody>
-          <a:bodyPr rtlCol="0" anchor="ctr"/>
-          <a:lstStyle/>
-          <a:p>
-            <a:pPr algn="ctr"/>
-            <a:endParaRPr lang="en-US"/>
-          </a:p>
-        </p:txBody>
-      </p:sp>
-      <p:sp>
-        <p:nvSpPr>
-          <p:cNvPr id="7" name="Rectangle 6"/>
-          <p:cNvSpPr/>
-          <p:nvPr/>
-        </p:nvSpPr>
-        <p:spPr>
-          <a:xfrm>
-            <a:off x="4157220" y="3275861"/>
-            <a:ext cx="3205113" cy="2272684"/>
-          </a:xfrm>
-          <a:prstGeom prst="rect">
-            <a:avLst/>
-          </a:prstGeom>
-          <a:solidFill>
-            <a:schemeClr val="accent2">
-              <a:alpha val="41000"/>
-            </a:schemeClr>
-          </a:solidFill>
-          <a:ln>
-            <a:noFill/>
-          </a:ln>
-        </p:spPr>
-        <p:style>
-          <a:lnRef idx="2">
-            <a:schemeClr val="accent1">
-              <a:shade val="50000"/>
-            </a:schemeClr>
-          </a:lnRef>
-          <a:fillRef idx="1">
-            <a:schemeClr val="accent1"/>
-          </a:fillRef>
-          <a:effectRef idx="0">
-            <a:schemeClr val="accent1"/>
-          </a:effectRef>
-          <a:fontRef idx="minor">
-            <a:schemeClr val="lt1"/>
-          </a:fontRef>
-        </p:style>
-        <p:txBody>
-          <a:bodyPr rtlCol="0" anchor="ctr"/>
-          <a:lstStyle/>
-          <a:p>
-            <a:pPr algn="ctr"/>
-            <a:endParaRPr lang="en-US"/>
-          </a:p>
-        </p:txBody>
-      </p:sp>
-      <p:sp>
-        <p:nvSpPr>
-          <p:cNvPr id="8" name="Rectangle 7"/>
-          <p:cNvSpPr/>
-          <p:nvPr/>
-        </p:nvSpPr>
-        <p:spPr>
-          <a:xfrm>
-            <a:off x="7429891" y="834274"/>
-            <a:ext cx="4692979" cy="4020530"/>
-          </a:xfrm>
-          <a:prstGeom prst="rect">
-            <a:avLst/>
-          </a:prstGeom>
-          <a:solidFill>
-            <a:schemeClr val="accent6">
-              <a:lumMod val="40000"/>
-              <a:lumOff val="60000"/>
-              <a:alpha val="41000"/>
-            </a:schemeClr>
-          </a:solidFill>
-          <a:ln>
-            <a:noFill/>
-          </a:ln>
-        </p:spPr>
-        <p:style>
-          <a:lnRef idx="2">
-            <a:schemeClr val="accent1">
-              <a:shade val="50000"/>
-            </a:schemeClr>
-          </a:lnRef>
-          <a:fillRef idx="1">
-            <a:schemeClr val="accent1"/>
-          </a:fillRef>
-          <a:effectRef idx="0">
-            <a:schemeClr val="accent1"/>
-          </a:effectRef>
-          <a:fontRef idx="minor">
-            <a:schemeClr val="lt1"/>
-          </a:fontRef>
-        </p:style>
-        <p:txBody>
-          <a:bodyPr rtlCol="0" anchor="ctr"/>
-          <a:lstStyle/>
-          <a:p>
-            <a:pPr algn="ctr"/>
-            <a:endParaRPr lang="en-US"/>
-          </a:p>
-        </p:txBody>
-      </p:sp>
-      <p:sp>
-        <p:nvSpPr>
-          <p:cNvPr id="9" name="Rectangle 8"/>
-          <p:cNvSpPr/>
-          <p:nvPr/>
-        </p:nvSpPr>
-        <p:spPr>
-          <a:xfrm>
-            <a:off x="0" y="5548544"/>
-            <a:ext cx="4089662" cy="442602"/>
-          </a:xfrm>
-          <a:prstGeom prst="rect">
-            <a:avLst/>
-          </a:prstGeom>
-          <a:solidFill>
-            <a:srgbClr val="FFFF00">
-              <a:alpha val="41000"/>
-            </a:srgbClr>
-          </a:solidFill>
-          <a:ln>
-            <a:noFill/>
-          </a:ln>
-        </p:spPr>
-        <p:style>
-          <a:lnRef idx="2">
-            <a:schemeClr val="accent1">
-              <a:shade val="50000"/>
-            </a:schemeClr>
-          </a:lnRef>
-          <a:fillRef idx="1">
-            <a:schemeClr val="accent1"/>
-          </a:fillRef>
-          <a:effectRef idx="0">
-            <a:schemeClr val="accent1"/>
-          </a:effectRef>
-          <a:fontRef idx="minor">
-            <a:schemeClr val="lt1"/>
-          </a:fontRef>
-        </p:style>
-        <p:txBody>
-          <a:bodyPr rtlCol="0" anchor="ctr"/>
-          <a:lstStyle/>
-          <a:p>
-            <a:pPr algn="ctr"/>
-            <a:endParaRPr lang="en-US"/>
-          </a:p>
-        </p:txBody>
-      </p:sp>
-      <p:sp>
-        <p:nvSpPr>
-          <p:cNvPr id="10" name="TextBox 9"/>
-          <p:cNvSpPr txBox="1"/>
-          <p:nvPr/>
-        </p:nvSpPr>
-        <p:spPr>
-          <a:xfrm>
-            <a:off x="1432874" y="2659873"/>
-            <a:ext cx="1291473" cy="369332"/>
-          </a:xfrm>
-          <a:prstGeom prst="rect">
-            <a:avLst/>
-          </a:prstGeom>
-          <a:solidFill>
-            <a:schemeClr val="bg1"/>
-          </a:solidFill>
-          <a:ln w="6350">
+        </p:grpSpPr>
+        <p:pic>
+          <p:nvPicPr>
+            <p:cNvPr id="4" name="Picture 3"/>
+            <p:cNvPicPr>
+              <a:picLocks noChangeAspect="1"/>
+            </p:cNvPicPr>
+            <p:nvPr/>
+          </p:nvPicPr>
+          <p:blipFill>
+            <a:blip r:embed="rId3">
+              <a:extLst>
+                <a:ext uri="{28A0092B-C50C-407E-A947-70E740481C1C}">
+                  <a14:useLocalDpi xmlns:a14="http://schemas.microsoft.com/office/drawing/2010/main" val="0"/>
+                </a:ext>
+              </a:extLst>
+            </a:blip>
+            <a:stretch>
+              <a:fillRect/>
+            </a:stretch>
+          </p:blipFill>
+          <p:spPr>
+            <a:xfrm>
+              <a:off x="0" y="834274"/>
+              <a:ext cx="12192000" cy="5189452"/>
+            </a:xfrm>
+            <a:prstGeom prst="rect">
+              <a:avLst/>
+            </a:prstGeom>
+          </p:spPr>
+        </p:pic>
+        <p:sp>
+          <p:nvSpPr>
+            <p:cNvPr id="5" name="Rectangle 4"/>
+            <p:cNvSpPr/>
+            <p:nvPr/>
+          </p:nvSpPr>
+          <p:spPr>
+            <a:xfrm>
+              <a:off x="0" y="1003177"/>
+              <a:ext cx="4157221" cy="4545367"/>
+            </a:xfrm>
+            <a:prstGeom prst="rect">
+              <a:avLst/>
+            </a:prstGeom>
             <a:solidFill>
-              <a:schemeClr val="tx1"/>
+              <a:schemeClr val="accent1">
+                <a:alpha val="41000"/>
+              </a:schemeClr>
             </a:solidFill>
-          </a:ln>
-        </p:spPr>
-        <p:txBody>
-          <a:bodyPr wrap="square" rtlCol="0">
-            <a:spAutoFit/>
-          </a:bodyPr>
-          <a:lstStyle/>
-          <a:p>
-            <a:r>
-              <a:rPr lang="en-US" dirty="0" smtClean="0"/>
-              <a:t>Charts Area</a:t>
-            </a:r>
-            <a:endParaRPr lang="en-US" dirty="0"/>
-          </a:p>
-        </p:txBody>
-      </p:sp>
-      <p:sp>
-        <p:nvSpPr>
-          <p:cNvPr id="11" name="TextBox 10"/>
-          <p:cNvSpPr txBox="1"/>
-          <p:nvPr/>
-        </p:nvSpPr>
-        <p:spPr>
-          <a:xfrm>
-            <a:off x="5213022" y="4133480"/>
-            <a:ext cx="1480009" cy="369332"/>
-          </a:xfrm>
-          <a:prstGeom prst="rect">
-            <a:avLst/>
-          </a:prstGeom>
-          <a:solidFill>
-            <a:schemeClr val="bg1"/>
-          </a:solidFill>
-          <a:ln w="6350">
+            <a:ln>
+              <a:noFill/>
+            </a:ln>
+          </p:spPr>
+          <p:style>
+            <a:lnRef idx="2">
+              <a:schemeClr val="accent1">
+                <a:shade val="50000"/>
+              </a:schemeClr>
+            </a:lnRef>
+            <a:fillRef idx="1">
+              <a:schemeClr val="accent1"/>
+            </a:fillRef>
+            <a:effectRef idx="0">
+              <a:schemeClr val="accent1"/>
+            </a:effectRef>
+            <a:fontRef idx="minor">
+              <a:schemeClr val="lt1"/>
+            </a:fontRef>
+          </p:style>
+          <p:txBody>
+            <a:bodyPr rtlCol="0" anchor="ctr"/>
+            <a:lstStyle/>
+            <a:p>
+              <a:pPr algn="ctr"/>
+              <a:endParaRPr lang="en-US"/>
+            </a:p>
+          </p:txBody>
+        </p:sp>
+        <p:sp>
+          <p:nvSpPr>
+            <p:cNvPr id="6" name="Rectangle 5"/>
+            <p:cNvSpPr/>
+            <p:nvPr/>
+          </p:nvSpPr>
+          <p:spPr>
+            <a:xfrm>
+              <a:off x="4157221" y="1003176"/>
+              <a:ext cx="3205113" cy="2315059"/>
+            </a:xfrm>
+            <a:prstGeom prst="rect">
+              <a:avLst/>
+            </a:prstGeom>
             <a:solidFill>
-              <a:schemeClr val="tx1"/>
+              <a:schemeClr val="accent1">
+                <a:alpha val="41000"/>
+              </a:schemeClr>
             </a:solidFill>
-          </a:ln>
-        </p:spPr>
-        <p:txBody>
-          <a:bodyPr wrap="square" rtlCol="0">
-            <a:spAutoFit/>
-          </a:bodyPr>
-          <a:lstStyle/>
-          <a:p>
-            <a:r>
-              <a:rPr lang="en-US" dirty="0" smtClean="0"/>
-              <a:t>Controls Area</a:t>
-            </a:r>
-            <a:endParaRPr lang="en-US" dirty="0"/>
-          </a:p>
-        </p:txBody>
-      </p:sp>
-      <p:sp>
-        <p:nvSpPr>
-          <p:cNvPr id="12" name="TextBox 11"/>
-          <p:cNvSpPr txBox="1"/>
-          <p:nvPr/>
-        </p:nvSpPr>
-        <p:spPr>
-          <a:xfrm>
-            <a:off x="9343534" y="2659873"/>
-            <a:ext cx="1770668" cy="369332"/>
-          </a:xfrm>
-          <a:prstGeom prst="rect">
-            <a:avLst/>
-          </a:prstGeom>
-          <a:solidFill>
-            <a:schemeClr val="bg1"/>
-          </a:solidFill>
-          <a:ln w="6350">
+            <a:ln>
+              <a:noFill/>
+            </a:ln>
+          </p:spPr>
+          <p:style>
+            <a:lnRef idx="2">
+              <a:schemeClr val="accent1">
+                <a:shade val="50000"/>
+              </a:schemeClr>
+            </a:lnRef>
+            <a:fillRef idx="1">
+              <a:schemeClr val="accent1"/>
+            </a:fillRef>
+            <a:effectRef idx="0">
+              <a:schemeClr val="accent1"/>
+            </a:effectRef>
+            <a:fontRef idx="minor">
+              <a:schemeClr val="lt1"/>
+            </a:fontRef>
+          </p:style>
+          <p:txBody>
+            <a:bodyPr rtlCol="0" anchor="ctr"/>
+            <a:lstStyle/>
+            <a:p>
+              <a:pPr algn="ctr"/>
+              <a:endParaRPr lang="en-US"/>
+            </a:p>
+          </p:txBody>
+        </p:sp>
+        <p:sp>
+          <p:nvSpPr>
+            <p:cNvPr id="7" name="Rectangle 6"/>
+            <p:cNvSpPr/>
+            <p:nvPr/>
+          </p:nvSpPr>
+          <p:spPr>
+            <a:xfrm>
+              <a:off x="4157220" y="3275861"/>
+              <a:ext cx="3205113" cy="2272684"/>
+            </a:xfrm>
+            <a:prstGeom prst="rect">
+              <a:avLst/>
+            </a:prstGeom>
             <a:solidFill>
-              <a:schemeClr val="tx1"/>
+              <a:schemeClr val="accent2">
+                <a:alpha val="41000"/>
+              </a:schemeClr>
             </a:solidFill>
-          </a:ln>
-        </p:spPr>
-        <p:txBody>
-          <a:bodyPr wrap="square" rtlCol="0">
-            <a:spAutoFit/>
-          </a:bodyPr>
-          <a:lstStyle/>
-          <a:p>
-            <a:r>
-              <a:rPr lang="en-US" dirty="0" smtClean="0"/>
-              <a:t>Operations Area</a:t>
-            </a:r>
-            <a:endParaRPr lang="en-US" dirty="0"/>
-          </a:p>
-        </p:txBody>
-      </p:sp>
-      <p:sp>
-        <p:nvSpPr>
-          <p:cNvPr id="13" name="TextBox 12"/>
-          <p:cNvSpPr txBox="1"/>
-          <p:nvPr/>
-        </p:nvSpPr>
-        <p:spPr>
-          <a:xfrm>
-            <a:off x="2044831" y="5601469"/>
-            <a:ext cx="1770668" cy="369332"/>
-          </a:xfrm>
-          <a:prstGeom prst="rect">
-            <a:avLst/>
-          </a:prstGeom>
-          <a:solidFill>
-            <a:schemeClr val="bg1"/>
-          </a:solidFill>
-          <a:ln w="6350">
+            <a:ln>
+              <a:noFill/>
+            </a:ln>
+          </p:spPr>
+          <p:style>
+            <a:lnRef idx="2">
+              <a:schemeClr val="accent1">
+                <a:shade val="50000"/>
+              </a:schemeClr>
+            </a:lnRef>
+            <a:fillRef idx="1">
+              <a:schemeClr val="accent1"/>
+            </a:fillRef>
+            <a:effectRef idx="0">
+              <a:schemeClr val="accent1"/>
+            </a:effectRef>
+            <a:fontRef idx="minor">
+              <a:schemeClr val="lt1"/>
+            </a:fontRef>
+          </p:style>
+          <p:txBody>
+            <a:bodyPr rtlCol="0" anchor="ctr"/>
+            <a:lstStyle/>
+            <a:p>
+              <a:pPr algn="ctr"/>
+              <a:endParaRPr lang="en-US"/>
+            </a:p>
+          </p:txBody>
+        </p:sp>
+        <p:sp>
+          <p:nvSpPr>
+            <p:cNvPr id="8" name="Rectangle 7"/>
+            <p:cNvSpPr/>
+            <p:nvPr/>
+          </p:nvSpPr>
+          <p:spPr>
+            <a:xfrm>
+              <a:off x="7429891" y="834274"/>
+              <a:ext cx="4692979" cy="4020530"/>
+            </a:xfrm>
+            <a:prstGeom prst="rect">
+              <a:avLst/>
+            </a:prstGeom>
             <a:solidFill>
-              <a:schemeClr val="tx1"/>
+              <a:schemeClr val="accent6">
+                <a:lumMod val="40000"/>
+                <a:lumOff val="60000"/>
+                <a:alpha val="41000"/>
+              </a:schemeClr>
             </a:solidFill>
-          </a:ln>
-        </p:spPr>
-        <p:txBody>
-          <a:bodyPr wrap="square" rtlCol="0">
-            <a:spAutoFit/>
-          </a:bodyPr>
-          <a:lstStyle/>
-          <a:p>
-            <a:r>
-              <a:rPr lang="en-US" dirty="0" smtClean="0"/>
-              <a:t>Info/Reset Area</a:t>
-            </a:r>
-            <a:endParaRPr lang="en-US" dirty="0"/>
-          </a:p>
-        </p:txBody>
-      </p:sp>
+            <a:ln>
+              <a:noFill/>
+            </a:ln>
+          </p:spPr>
+          <p:style>
+            <a:lnRef idx="2">
+              <a:schemeClr val="accent1">
+                <a:shade val="50000"/>
+              </a:schemeClr>
+            </a:lnRef>
+            <a:fillRef idx="1">
+              <a:schemeClr val="accent1"/>
+            </a:fillRef>
+            <a:effectRef idx="0">
+              <a:schemeClr val="accent1"/>
+            </a:effectRef>
+            <a:fontRef idx="minor">
+              <a:schemeClr val="lt1"/>
+            </a:fontRef>
+          </p:style>
+          <p:txBody>
+            <a:bodyPr rtlCol="0" anchor="ctr"/>
+            <a:lstStyle/>
+            <a:p>
+              <a:pPr algn="ctr"/>
+              <a:endParaRPr lang="en-US"/>
+            </a:p>
+          </p:txBody>
+        </p:sp>
+        <p:sp>
+          <p:nvSpPr>
+            <p:cNvPr id="9" name="Rectangle 8"/>
+            <p:cNvSpPr/>
+            <p:nvPr/>
+          </p:nvSpPr>
+          <p:spPr>
+            <a:xfrm>
+              <a:off x="0" y="5548544"/>
+              <a:ext cx="4089662" cy="442602"/>
+            </a:xfrm>
+            <a:prstGeom prst="rect">
+              <a:avLst/>
+            </a:prstGeom>
+            <a:solidFill>
+              <a:srgbClr val="FFFF00">
+                <a:alpha val="41000"/>
+              </a:srgbClr>
+            </a:solidFill>
+            <a:ln>
+              <a:noFill/>
+            </a:ln>
+          </p:spPr>
+          <p:style>
+            <a:lnRef idx="2">
+              <a:schemeClr val="accent1">
+                <a:shade val="50000"/>
+              </a:schemeClr>
+            </a:lnRef>
+            <a:fillRef idx="1">
+              <a:schemeClr val="accent1"/>
+            </a:fillRef>
+            <a:effectRef idx="0">
+              <a:schemeClr val="accent1"/>
+            </a:effectRef>
+            <a:fontRef idx="minor">
+              <a:schemeClr val="lt1"/>
+            </a:fontRef>
+          </p:style>
+          <p:txBody>
+            <a:bodyPr rtlCol="0" anchor="ctr"/>
+            <a:lstStyle/>
+            <a:p>
+              <a:pPr algn="ctr"/>
+              <a:endParaRPr lang="en-US"/>
+            </a:p>
+          </p:txBody>
+        </p:sp>
+        <p:sp>
+          <p:nvSpPr>
+            <p:cNvPr id="10" name="TextBox 9"/>
+            <p:cNvSpPr txBox="1"/>
+            <p:nvPr/>
+          </p:nvSpPr>
+          <p:spPr>
+            <a:xfrm>
+              <a:off x="1432874" y="2659873"/>
+              <a:ext cx="1291473" cy="369332"/>
+            </a:xfrm>
+            <a:prstGeom prst="rect">
+              <a:avLst/>
+            </a:prstGeom>
+            <a:solidFill>
+              <a:schemeClr val="bg1"/>
+            </a:solidFill>
+            <a:ln w="6350">
+              <a:solidFill>
+                <a:schemeClr val="tx1"/>
+              </a:solidFill>
+            </a:ln>
+          </p:spPr>
+          <p:txBody>
+            <a:bodyPr wrap="square" rtlCol="0">
+              <a:spAutoFit/>
+            </a:bodyPr>
+            <a:lstStyle/>
+            <a:p>
+              <a:r>
+                <a:rPr lang="en-US" dirty="0" smtClean="0"/>
+                <a:t>Charts Area</a:t>
+              </a:r>
+              <a:endParaRPr lang="en-US" dirty="0"/>
+            </a:p>
+          </p:txBody>
+        </p:sp>
+        <p:sp>
+          <p:nvSpPr>
+            <p:cNvPr id="11" name="TextBox 10"/>
+            <p:cNvSpPr txBox="1"/>
+            <p:nvPr/>
+          </p:nvSpPr>
+          <p:spPr>
+            <a:xfrm>
+              <a:off x="5213022" y="4133480"/>
+              <a:ext cx="1480009" cy="369332"/>
+            </a:xfrm>
+            <a:prstGeom prst="rect">
+              <a:avLst/>
+            </a:prstGeom>
+            <a:solidFill>
+              <a:schemeClr val="bg1"/>
+            </a:solidFill>
+            <a:ln w="6350">
+              <a:solidFill>
+                <a:schemeClr val="tx1"/>
+              </a:solidFill>
+            </a:ln>
+          </p:spPr>
+          <p:txBody>
+            <a:bodyPr wrap="square" rtlCol="0">
+              <a:spAutoFit/>
+            </a:bodyPr>
+            <a:lstStyle/>
+            <a:p>
+              <a:r>
+                <a:rPr lang="en-US" dirty="0" smtClean="0"/>
+                <a:t>Controls Area</a:t>
+              </a:r>
+              <a:endParaRPr lang="en-US" dirty="0"/>
+            </a:p>
+          </p:txBody>
+        </p:sp>
+        <p:sp>
+          <p:nvSpPr>
+            <p:cNvPr id="12" name="TextBox 11"/>
+            <p:cNvSpPr txBox="1"/>
+            <p:nvPr/>
+          </p:nvSpPr>
+          <p:spPr>
+            <a:xfrm>
+              <a:off x="9343534" y="2659873"/>
+              <a:ext cx="1770668" cy="369332"/>
+            </a:xfrm>
+            <a:prstGeom prst="rect">
+              <a:avLst/>
+            </a:prstGeom>
+            <a:solidFill>
+              <a:schemeClr val="bg1"/>
+            </a:solidFill>
+            <a:ln w="6350">
+              <a:solidFill>
+                <a:schemeClr val="tx1"/>
+              </a:solidFill>
+            </a:ln>
+          </p:spPr>
+          <p:txBody>
+            <a:bodyPr wrap="square" rtlCol="0">
+              <a:spAutoFit/>
+            </a:bodyPr>
+            <a:lstStyle/>
+            <a:p>
+              <a:r>
+                <a:rPr lang="en-US" dirty="0" smtClean="0"/>
+                <a:t>Operations Area</a:t>
+              </a:r>
+              <a:endParaRPr lang="en-US" dirty="0"/>
+            </a:p>
+          </p:txBody>
+        </p:sp>
+        <p:sp>
+          <p:nvSpPr>
+            <p:cNvPr id="13" name="TextBox 12"/>
+            <p:cNvSpPr txBox="1"/>
+            <p:nvPr/>
+          </p:nvSpPr>
+          <p:spPr>
+            <a:xfrm>
+              <a:off x="2044831" y="5601469"/>
+              <a:ext cx="1770668" cy="369332"/>
+            </a:xfrm>
+            <a:prstGeom prst="rect">
+              <a:avLst/>
+            </a:prstGeom>
+            <a:solidFill>
+              <a:schemeClr val="bg1"/>
+            </a:solidFill>
+            <a:ln w="6350">
+              <a:solidFill>
+                <a:schemeClr val="tx1"/>
+              </a:solidFill>
+            </a:ln>
+          </p:spPr>
+          <p:txBody>
+            <a:bodyPr wrap="square" rtlCol="0">
+              <a:spAutoFit/>
+            </a:bodyPr>
+            <a:lstStyle/>
+            <a:p>
+              <a:r>
+                <a:rPr lang="en-US" dirty="0" smtClean="0"/>
+                <a:t>Info/Reset Area</a:t>
+              </a:r>
+              <a:endParaRPr lang="en-US" dirty="0"/>
+            </a:p>
+          </p:txBody>
+        </p:sp>
+      </p:grpSp>
     </p:spTree>
     <p:extLst>
       <p:ext uri="{BB962C8B-B14F-4D97-AF65-F5344CB8AC3E}">
@@ -4395,7 +4430,15 @@
                     <a:srgbClr val="CC0000"/>
                   </a:solidFill>
                 </a:rPr>
-                <a:t>SMA10 Line</a:t>
+                <a:t>SMA50 </a:t>
+              </a:r>
+              <a:r>
+                <a:rPr lang="en-US" dirty="0" smtClean="0">
+                  <a:solidFill>
+                    <a:srgbClr val="CC0000"/>
+                  </a:solidFill>
+                </a:rPr>
+                <a:t>Line</a:t>
               </a:r>
               <a:endParaRPr lang="en-US" dirty="0">
                 <a:solidFill>
